--- a/노트/7_jQueryAjax/0304.문제.pptx
+++ b/노트/7_jQueryAjax/0304.문제.pptx
@@ -110,7 +110,7 @@
   </p:defaultTextStyle>
   <p:extLst>
     <p:ext uri="{EFAFB233-063F-42B5-8137-9DF3F51BA10A}">
-      <p15:sldGuideLst xmlns:p15="http://schemas.microsoft.com/office/powerpoint/2012/main" xmlns="">
+      <p15:sldGuideLst xmlns="" xmlns:p15="http://schemas.microsoft.com/office/powerpoint/2012/main">
         <p15:guide id="1" orient="horz" pos="2160">
           <p15:clr>
             <a:srgbClr val="A4A3A4"/>
@@ -3196,21 +3196,21 @@
                 <a:gridCol w="2743200">
                   <a:extLst>
                     <a:ext uri="{9D8B030D-6E8A-4147-A177-3AD203B41FA5}">
-                      <a16:colId xmlns:a16="http://schemas.microsoft.com/office/drawing/2014/main" xmlns="" val="20000"/>
+                      <a16:colId xmlns="" xmlns:a16="http://schemas.microsoft.com/office/drawing/2014/main" val="20000"/>
                     </a:ext>
                   </a:extLst>
                 </a:gridCol>
                 <a:gridCol w="2743200">
                   <a:extLst>
                     <a:ext uri="{9D8B030D-6E8A-4147-A177-3AD203B41FA5}">
-                      <a16:colId xmlns:a16="http://schemas.microsoft.com/office/drawing/2014/main" xmlns="" val="20001"/>
+                      <a16:colId xmlns="" xmlns:a16="http://schemas.microsoft.com/office/drawing/2014/main" val="20001"/>
                     </a:ext>
                   </a:extLst>
                 </a:gridCol>
                 <a:gridCol w="2743200">
                   <a:extLst>
                     <a:ext uri="{9D8B030D-6E8A-4147-A177-3AD203B41FA5}">
-                      <a16:colId xmlns:a16="http://schemas.microsoft.com/office/drawing/2014/main" xmlns="" val="20002"/>
+                      <a16:colId xmlns="" xmlns:a16="http://schemas.microsoft.com/office/drawing/2014/main" val="20002"/>
                     </a:ext>
                   </a:extLst>
                 </a:gridCol>
@@ -3263,7 +3263,7 @@
                 </a:tc>
                 <a:extLst>
                   <a:ext uri="{0D108BD9-81ED-4DB2-BD59-A6C34878D82A}">
-                    <a16:rowId xmlns:a16="http://schemas.microsoft.com/office/drawing/2014/main" xmlns="" val="10000"/>
+                    <a16:rowId xmlns="" xmlns:a16="http://schemas.microsoft.com/office/drawing/2014/main" val="10000"/>
                   </a:ext>
                 </a:extLst>
               </a:tr>
@@ -3315,7 +3315,7 @@
                 </a:tc>
                 <a:extLst>
                   <a:ext uri="{0D108BD9-81ED-4DB2-BD59-A6C34878D82A}">
-                    <a16:rowId xmlns:a16="http://schemas.microsoft.com/office/drawing/2014/main" xmlns="" val="10001"/>
+                    <a16:rowId xmlns="" xmlns:a16="http://schemas.microsoft.com/office/drawing/2014/main" val="10001"/>
                   </a:ext>
                 </a:extLst>
               </a:tr>
@@ -3367,7 +3367,7 @@
                 </a:tc>
                 <a:extLst>
                   <a:ext uri="{0D108BD9-81ED-4DB2-BD59-A6C34878D82A}">
-                    <a16:rowId xmlns:a16="http://schemas.microsoft.com/office/drawing/2014/main" xmlns="" val="10002"/>
+                    <a16:rowId xmlns="" xmlns:a16="http://schemas.microsoft.com/office/drawing/2014/main" val="10002"/>
                   </a:ext>
                 </a:extLst>
               </a:tr>
